--- a/docs/1071_datascience_FP_107753040|nba>.pptx
+++ b/docs/1071_datascience_FP_107753040|nba>.pptx
@@ -10,8 +10,8 @@
     <p:sldId id="257" r:id="rId4"/>
     <p:sldId id="258" r:id="rId5"/>
     <p:sldId id="261" r:id="rId6"/>
-    <p:sldId id="262" r:id="rId7"/>
-    <p:sldId id="259" r:id="rId8"/>
+    <p:sldId id="259" r:id="rId7"/>
+    <p:sldId id="262" r:id="rId8"/>
     <p:sldId id="264" r:id="rId9"/>
   </p:sldIdLst>
   <p:sldSz cx="12192000" cy="6858000"/>
@@ -3225,7 +3225,7 @@
           <a:p>
             <a:r>
               <a:rPr lang="en-US" altLang="zh-TW" dirty="0" smtClean="0"/>
-              <a:t>motivation</a:t>
+              <a:t>Goal</a:t>
             </a:r>
             <a:endParaRPr kumimoji="1" lang="zh-TW" altLang="en-US" dirty="0"/>
           </a:p>
@@ -3247,37 +3247,15 @@
           <a:lstStyle/>
           <a:p>
             <a:r>
-              <a:rPr kumimoji="1" lang="en-US" altLang="zh-TW" dirty="0" smtClean="0">
-                <a:latin typeface="Microsoft JhengHei" charset="-120"/>
-                <a:ea typeface="Microsoft JhengHei" charset="-120"/>
-                <a:cs typeface="Microsoft JhengHei" charset="-120"/>
-              </a:rPr>
-              <a:t>NBA</a:t>
-            </a:r>
-            <a:r>
-              <a:rPr kumimoji="1" lang="zh-TW" altLang="en-US" dirty="0" smtClean="0">
-                <a:latin typeface="Microsoft JhengHei" charset="-120"/>
-                <a:ea typeface="Microsoft JhengHei" charset="-120"/>
-                <a:cs typeface="Microsoft JhengHei" charset="-120"/>
-              </a:rPr>
-              <a:t>的人員異動，對於忠實的</a:t>
-            </a:r>
-            <a:r>
-              <a:rPr kumimoji="1" lang="en-US" altLang="zh-TW" dirty="0" smtClean="0">
-                <a:latin typeface="Microsoft JhengHei" charset="-120"/>
-                <a:ea typeface="Microsoft JhengHei" charset="-120"/>
-                <a:cs typeface="Microsoft JhengHei" charset="-120"/>
-              </a:rPr>
-              <a:t>NBA</a:t>
-            </a:r>
-            <a:r>
-              <a:rPr kumimoji="1" lang="zh-TW" altLang="en-US" dirty="0" smtClean="0">
-                <a:latin typeface="Microsoft JhengHei" charset="-120"/>
-                <a:ea typeface="Microsoft JhengHei" charset="-120"/>
-                <a:cs typeface="Microsoft JhengHei" charset="-120"/>
-              </a:rPr>
-              <a:t>觀眾來說，是非常重要的事。尤其觀眾對於自己喜愛的球隊，甚至某個球員的異動，有很大的關注。</a:t>
-            </a:r>
+              <a:rPr kumimoji="1" lang="en-US" altLang="zh-TW" dirty="0">
+                <a:latin typeface="Microsoft JhengHei" charset="-120"/>
+                <a:ea typeface="Microsoft JhengHei" charset="-120"/>
+                <a:cs typeface="Microsoft JhengHei" charset="-120"/>
+              </a:rPr>
+              <a:t>NBA personnel changes are very important for a loyal NBA audience. In particular, the audience has a lot of attention to the team that they like, and even the movement of a certain player.</a:t>
+            </a:r>
+          </a:p>
+          <a:p>
             <a:endParaRPr kumimoji="1" lang="en-US" altLang="zh-TW" dirty="0" smtClean="0">
               <a:latin typeface="Microsoft JhengHei" charset="-120"/>
               <a:ea typeface="Microsoft JhengHei" charset="-120"/>
@@ -3285,36 +3263,13 @@
             </a:endParaRPr>
           </a:p>
           <a:p>
-            <a:endParaRPr kumimoji="1" lang="en-US" altLang="zh-TW" dirty="0" smtClean="0">
-              <a:latin typeface="Microsoft JhengHei" charset="-120"/>
-              <a:ea typeface="Microsoft JhengHei" charset="-120"/>
-              <a:cs typeface="Microsoft JhengHei" charset="-120"/>
-            </a:endParaRPr>
-          </a:p>
-          <a:p>
-            <a:r>
-              <a:rPr kumimoji="1" lang="zh-TW" altLang="en-US" dirty="0" smtClean="0">
-                <a:latin typeface="Microsoft JhengHei" charset="-120"/>
-                <a:ea typeface="Microsoft JhengHei" charset="-120"/>
-                <a:cs typeface="Microsoft JhengHei" charset="-120"/>
-              </a:rPr>
-              <a:t>因此我們設計一個透過歷史球員的各種資料來機器學習，試圖預測某個球員在下一季是否會繼續留在</a:t>
-            </a:r>
-            <a:r>
-              <a:rPr kumimoji="1" lang="en-US" altLang="zh-TW" dirty="0" smtClean="0">
-                <a:latin typeface="Microsoft JhengHei" charset="-120"/>
-                <a:ea typeface="Microsoft JhengHei" charset="-120"/>
-                <a:cs typeface="Microsoft JhengHei" charset="-120"/>
-              </a:rPr>
-              <a:t>NBA</a:t>
-            </a:r>
-            <a:r>
-              <a:rPr kumimoji="1" lang="zh-TW" altLang="en-US" dirty="0" smtClean="0">
-                <a:latin typeface="Microsoft JhengHei" charset="-120"/>
-                <a:ea typeface="Microsoft JhengHei" charset="-120"/>
-                <a:cs typeface="Microsoft JhengHei" charset="-120"/>
-              </a:rPr>
-              <a:t>打球。</a:t>
+            <a:r>
+              <a:rPr kumimoji="1" lang="en-US" altLang="zh-TW" dirty="0">
+                <a:latin typeface="Microsoft JhengHei" charset="-120"/>
+                <a:ea typeface="Microsoft JhengHei" charset="-120"/>
+                <a:cs typeface="Microsoft JhengHei" charset="-120"/>
+              </a:rPr>
+              <a:t>So we designed a variety of information through historical players to train, trying to predict whether a player will continue to play in the NBA in the next season.</a:t>
             </a:r>
             <a:endParaRPr kumimoji="1" lang="zh-TW" altLang="en-US" dirty="0">
               <a:latin typeface="Microsoft JhengHei" charset="-120"/>
@@ -3401,8 +3356,13 @@
           <a:p>
             <a:r>
               <a:rPr lang="en-US" altLang="zh-TW" dirty="0" smtClean="0"/>
-              <a:t>Data source : NBA</a:t>
-            </a:r>
+              <a:t>Data source : </a:t>
+            </a:r>
+            <a:r>
+              <a:rPr lang="en-US" altLang="zh-TW" dirty="0" err="1" smtClean="0"/>
+              <a:t>NBA_Seanaons_Stats</a:t>
+            </a:r>
+            <a:endParaRPr lang="en-US" altLang="zh-TW" dirty="0" smtClean="0"/>
           </a:p>
           <a:p>
             <a:r>
@@ -3428,57 +3388,28 @@
             <a:pPr lvl="1"/>
             <a:r>
               <a:rPr lang="en-US" altLang="zh-TW" dirty="0" smtClean="0"/>
-              <a:t>Handle missing data : </a:t>
-            </a:r>
-            <a:r>
-              <a:rPr lang="zh-TW" altLang="en-US" dirty="0" smtClean="0">
-                <a:latin typeface="Microsoft JhengHei" charset="-120"/>
-                <a:ea typeface="Microsoft JhengHei" charset="-120"/>
-                <a:cs typeface="Microsoft JhengHei" charset="-120"/>
-              </a:rPr>
-              <a:t>將</a:t>
-            </a:r>
+              <a:t>Scale value</a:t>
+            </a:r>
+          </a:p>
+          <a:p>
+            <a:pPr lvl="1"/>
             <a:r>
               <a:rPr lang="en-US" altLang="zh-TW" dirty="0" smtClean="0">
-                <a:latin typeface="Microsoft JhengHei" charset="-120"/>
-                <a:ea typeface="Microsoft JhengHei" charset="-120"/>
-                <a:cs typeface="Microsoft JhengHei" charset="-120"/>
-              </a:rPr>
-              <a:t>missing data</a:t>
-            </a:r>
-            <a:r>
-              <a:rPr lang="zh-TW" altLang="en-US" dirty="0" smtClean="0">
-                <a:latin typeface="Microsoft JhengHei" charset="-120"/>
-                <a:ea typeface="Microsoft JhengHei" charset="-120"/>
-                <a:cs typeface="Microsoft JhengHei" charset="-120"/>
-              </a:rPr>
-              <a:t>改成</a:t>
+                <a:ea typeface="Microsoft JhengHei" charset="-120"/>
+                <a:cs typeface="Microsoft JhengHei" charset="-120"/>
+              </a:rPr>
+              <a:t>Add a </a:t>
             </a:r>
             <a:r>
               <a:rPr lang="en-US" altLang="zh-TW" dirty="0" smtClean="0">
-                <a:latin typeface="Microsoft JhengHei" charset="-120"/>
-                <a:ea typeface="Microsoft JhengHei" charset="-120"/>
-                <a:cs typeface="Microsoft JhengHei" charset="-120"/>
-              </a:rPr>
-              <a:t>0</a:t>
-            </a:r>
-          </a:p>
-          <a:p>
-            <a:pPr lvl="1"/>
+                <a:ea typeface="Microsoft JhengHei" charset="-120"/>
+                <a:cs typeface="Microsoft JhengHei" charset="-120"/>
+              </a:rPr>
+              <a:t>Attribute about player stay in next season or not</a:t>
+            </a:r>
             <a:r>
               <a:rPr lang="en-US" altLang="zh-TW" dirty="0" smtClean="0"/>
-              <a:t>Scale value</a:t>
-            </a:r>
-          </a:p>
-          <a:p>
-            <a:pPr lvl="1"/>
-            <a:r>
-              <a:rPr lang="zh-TW" altLang="en-US" dirty="0" smtClean="0">
-                <a:latin typeface="Microsoft JhengHei" charset="-120"/>
-                <a:ea typeface="Microsoft JhengHei" charset="-120"/>
-                <a:cs typeface="Microsoft JhengHei" charset="-120"/>
-              </a:rPr>
-              <a:t>增加一個去留的欄位</a:t>
+              <a:t> </a:t>
             </a:r>
             <a:r>
               <a:rPr lang="en-US" altLang="zh-TW" dirty="0" smtClean="0">
@@ -3486,7 +3417,15 @@
                 <a:ea typeface="Microsoft JhengHei" charset="-120"/>
                 <a:cs typeface="Microsoft JhengHei" charset="-120"/>
               </a:rPr>
-              <a:t>(0/1)</a:t>
+              <a:t>(0/1</a:t>
+            </a:r>
+            <a:r>
+              <a:rPr lang="en-US" altLang="zh-TW" dirty="0" smtClean="0">
+                <a:latin typeface="Microsoft JhengHei" charset="-120"/>
+                <a:ea typeface="Microsoft JhengHei" charset="-120"/>
+                <a:cs typeface="Microsoft JhengHei" charset="-120"/>
+              </a:rPr>
+              <a:t>)</a:t>
             </a:r>
           </a:p>
           <a:p>
@@ -3494,6 +3433,36 @@
           </a:p>
         </p:txBody>
       </p:sp>
+      <p:pic>
+        <p:nvPicPr>
+          <p:cNvPr id="4" name="圖片 3"/>
+          <p:cNvPicPr>
+            <a:picLocks noChangeAspect="1"/>
+          </p:cNvPicPr>
+          <p:nvPr/>
+        </p:nvPicPr>
+        <p:blipFill>
+          <a:blip r:embed="rId2">
+            <a:extLst>
+              <a:ext uri="{28A0092B-C50C-407E-A947-70E740481C1C}">
+                <a14:useLocalDpi xmlns:a14="http://schemas.microsoft.com/office/drawing/2010/main" val="0"/>
+              </a:ext>
+            </a:extLst>
+          </a:blip>
+          <a:stretch>
+            <a:fillRect/>
+          </a:stretch>
+        </p:blipFill>
+        <p:spPr>
+          <a:xfrm>
+            <a:off x="671623" y="4263241"/>
+            <a:ext cx="10682177" cy="2337457"/>
+          </a:xfrm>
+          <a:prstGeom prst="rect">
+            <a:avLst/>
+          </a:prstGeom>
+        </p:spPr>
+      </p:pic>
     </p:spTree>
     <p:extLst>
       <p:ext uri="{BB962C8B-B14F-4D97-AF65-F5344CB8AC3E}">
@@ -3504,6 +3473,13 @@
   <p:clrMapOvr>
     <a:masterClrMapping/>
   </p:clrMapOvr>
+  <p:timing>
+    <p:tnLst>
+      <p:par>
+        <p:cTn id="1" dur="indefinite" restart="never" nodeType="tmRoot"/>
+      </p:par>
+    </p:tnLst>
+  </p:timing>
 </p:sld>
 </file>
 
@@ -3564,8 +3540,33 @@
           <a:p>
             <a:r>
               <a:rPr lang="en-US" altLang="zh-TW" dirty="0" smtClean="0"/>
-              <a:t>Method : Random forest</a:t>
-            </a:r>
+              <a:t>Method : Random </a:t>
+            </a:r>
+            <a:r>
+              <a:rPr lang="en-US" altLang="zh-TW" dirty="0" smtClean="0"/>
+              <a:t>forest</a:t>
+            </a:r>
+            <a:r>
+              <a:rPr lang="zh-TW" altLang="en-US" dirty="0" smtClean="0"/>
+              <a:t>（</a:t>
+            </a:r>
+            <a:r>
+              <a:rPr lang="nl-NL" altLang="zh-TW" dirty="0"/>
+              <a:t> </a:t>
+            </a:r>
+            <a:r>
+              <a:rPr lang="nl-NL" altLang="zh-TW" dirty="0" err="1" smtClean="0"/>
+              <a:t>ntree</a:t>
+            </a:r>
+            <a:r>
+              <a:rPr lang="nl-NL" altLang="zh-TW" dirty="0" smtClean="0"/>
+              <a:t>=100</a:t>
+            </a:r>
+            <a:r>
+              <a:rPr lang="zh-TW" altLang="en-US" dirty="0" smtClean="0"/>
+              <a:t>）</a:t>
+            </a:r>
+            <a:endParaRPr lang="en-US" altLang="zh-TW" dirty="0" smtClean="0"/>
           </a:p>
           <a:p>
             <a:r>
@@ -3594,6 +3595,13 @@
   <p:clrMapOvr>
     <a:masterClrMapping/>
   </p:clrMapOvr>
+  <p:timing>
+    <p:tnLst>
+      <p:par>
+        <p:cTn id="1" dur="indefinite" restart="never" nodeType="tmRoot"/>
+      </p:par>
+    </p:tnLst>
+  </p:timing>
 </p:sld>
 </file>
 
@@ -4167,103 +4175,17 @@
   <p:clrMapOvr>
     <a:masterClrMapping/>
   </p:clrMapOvr>
+  <p:timing>
+    <p:tnLst>
+      <p:par>
+        <p:cTn id="1" dur="indefinite" restart="never" nodeType="tmRoot"/>
+      </p:par>
+    </p:tnLst>
+  </p:timing>
 </p:sld>
 </file>
 
 <file path=ppt/slides/slide6.xml><?xml version="1.0" encoding="utf-8"?>
-<p:sld xmlns:a="http://schemas.openxmlformats.org/drawingml/2006/main" xmlns:r="http://schemas.openxmlformats.org/officeDocument/2006/relationships" xmlns:p="http://schemas.openxmlformats.org/presentationml/2006/main">
-  <p:cSld>
-    <p:spTree>
-      <p:nvGrpSpPr>
-        <p:cNvPr id="1" name=""/>
-        <p:cNvGrpSpPr/>
-        <p:nvPr/>
-      </p:nvGrpSpPr>
-      <p:grpSpPr>
-        <a:xfrm>
-          <a:off x="0" y="0"/>
-          <a:ext cx="0" cy="0"/>
-          <a:chOff x="0" y="0"/>
-          <a:chExt cx="0" cy="0"/>
-        </a:xfrm>
-      </p:grpSpPr>
-      <p:sp>
-        <p:nvSpPr>
-          <p:cNvPr id="2" name="標題 1"/>
-          <p:cNvSpPr>
-            <a:spLocks noGrp="1"/>
-          </p:cNvSpPr>
-          <p:nvPr>
-            <p:ph type="title"/>
-          </p:nvPr>
-        </p:nvSpPr>
-        <p:spPr/>
-        <p:txBody>
-          <a:bodyPr/>
-          <a:lstStyle/>
-          <a:p>
-            <a:r>
-              <a:rPr kumimoji="1" lang="en-US" altLang="zh-TW" dirty="0" smtClean="0"/>
-              <a:t>Other Factor</a:t>
-            </a:r>
-            <a:endParaRPr kumimoji="1" lang="zh-TW" altLang="en-US" dirty="0"/>
-          </a:p>
-        </p:txBody>
-      </p:sp>
-      <p:sp>
-        <p:nvSpPr>
-          <p:cNvPr id="3" name="內容版面配置區 2"/>
-          <p:cNvSpPr>
-            <a:spLocks noGrp="1"/>
-          </p:cNvSpPr>
-          <p:nvPr>
-            <p:ph idx="1"/>
-          </p:nvPr>
-        </p:nvSpPr>
-        <p:spPr/>
-        <p:txBody>
-          <a:bodyPr/>
-          <a:lstStyle/>
-          <a:p>
-            <a:r>
-              <a:rPr kumimoji="1" lang="en-US" altLang="zh-TW" dirty="0" smtClean="0"/>
-              <a:t>contract</a:t>
-            </a:r>
-          </a:p>
-          <a:p>
-            <a:r>
-              <a:rPr lang="en-US" altLang="zh-TW" dirty="0" smtClean="0"/>
-              <a:t>Injure</a:t>
-            </a:r>
-          </a:p>
-          <a:p>
-            <a:r>
-              <a:rPr kumimoji="1" lang="en-US" altLang="zh-TW" dirty="0" smtClean="0"/>
-              <a:t>Rookie</a:t>
-            </a:r>
-          </a:p>
-          <a:p>
-            <a:endParaRPr kumimoji="1" lang="en-US" altLang="zh-TW" dirty="0" smtClean="0"/>
-          </a:p>
-          <a:p>
-            <a:endParaRPr kumimoji="1" lang="zh-TW" altLang="en-US" dirty="0"/>
-          </a:p>
-        </p:txBody>
-      </p:sp>
-    </p:spTree>
-    <p:extLst>
-      <p:ext uri="{BB962C8B-B14F-4D97-AF65-F5344CB8AC3E}">
-        <p14:creationId xmlns:p14="http://schemas.microsoft.com/office/powerpoint/2010/main" val="413539871"/>
-      </p:ext>
-    </p:extLst>
-  </p:cSld>
-  <p:clrMapOvr>
-    <a:masterClrMapping/>
-  </p:clrMapOvr>
-</p:sld>
-</file>
-
-<file path=ppt/slides/slide7.xml><?xml version="1.0" encoding="utf-8"?>
 <p:sld xmlns:a="http://schemas.openxmlformats.org/drawingml/2006/main" xmlns:r="http://schemas.openxmlformats.org/officeDocument/2006/relationships" xmlns:p="http://schemas.openxmlformats.org/presentationml/2006/main">
   <p:cSld>
     <p:spTree>
@@ -4412,6 +4334,106 @@
     <p:extLst>
       <p:ext uri="{BB962C8B-B14F-4D97-AF65-F5344CB8AC3E}">
         <p14:creationId xmlns:p14="http://schemas.microsoft.com/office/powerpoint/2010/main" val="2124797818"/>
+      </p:ext>
+    </p:extLst>
+  </p:cSld>
+  <p:clrMapOvr>
+    <a:masterClrMapping/>
+  </p:clrMapOvr>
+  <p:timing>
+    <p:tnLst>
+      <p:par>
+        <p:cTn id="1" dur="indefinite" restart="never" nodeType="tmRoot"/>
+      </p:par>
+    </p:tnLst>
+  </p:timing>
+</p:sld>
+</file>
+
+<file path=ppt/slides/slide7.xml><?xml version="1.0" encoding="utf-8"?>
+<p:sld xmlns:a="http://schemas.openxmlformats.org/drawingml/2006/main" xmlns:r="http://schemas.openxmlformats.org/officeDocument/2006/relationships" xmlns:p="http://schemas.openxmlformats.org/presentationml/2006/main">
+  <p:cSld>
+    <p:spTree>
+      <p:nvGrpSpPr>
+        <p:cNvPr id="1" name=""/>
+        <p:cNvGrpSpPr/>
+        <p:nvPr/>
+      </p:nvGrpSpPr>
+      <p:grpSpPr>
+        <a:xfrm>
+          <a:off x="0" y="0"/>
+          <a:ext cx="0" cy="0"/>
+          <a:chOff x="0" y="0"/>
+          <a:chExt cx="0" cy="0"/>
+        </a:xfrm>
+      </p:grpSpPr>
+      <p:sp>
+        <p:nvSpPr>
+          <p:cNvPr id="2" name="標題 1"/>
+          <p:cNvSpPr>
+            <a:spLocks noGrp="1"/>
+          </p:cNvSpPr>
+          <p:nvPr>
+            <p:ph type="title"/>
+          </p:nvPr>
+        </p:nvSpPr>
+        <p:spPr/>
+        <p:txBody>
+          <a:bodyPr/>
+          <a:lstStyle/>
+          <a:p>
+            <a:r>
+              <a:rPr kumimoji="1" lang="en-US" altLang="zh-TW" dirty="0" smtClean="0"/>
+              <a:t>Other Factor</a:t>
+            </a:r>
+            <a:endParaRPr kumimoji="1" lang="zh-TW" altLang="en-US" dirty="0"/>
+          </a:p>
+        </p:txBody>
+      </p:sp>
+      <p:sp>
+        <p:nvSpPr>
+          <p:cNvPr id="3" name="內容版面配置區 2"/>
+          <p:cNvSpPr>
+            <a:spLocks noGrp="1"/>
+          </p:cNvSpPr>
+          <p:nvPr>
+            <p:ph idx="1"/>
+          </p:nvPr>
+        </p:nvSpPr>
+        <p:spPr/>
+        <p:txBody>
+          <a:bodyPr/>
+          <a:lstStyle/>
+          <a:p>
+            <a:r>
+              <a:rPr kumimoji="1" lang="en-US" altLang="zh-TW" dirty="0" smtClean="0"/>
+              <a:t>contract</a:t>
+            </a:r>
+          </a:p>
+          <a:p>
+            <a:r>
+              <a:rPr lang="en-US" altLang="zh-TW" dirty="0" smtClean="0"/>
+              <a:t>Injure</a:t>
+            </a:r>
+          </a:p>
+          <a:p>
+            <a:r>
+              <a:rPr kumimoji="1" lang="en-US" altLang="zh-TW" dirty="0" smtClean="0"/>
+              <a:t>Rookie</a:t>
+            </a:r>
+          </a:p>
+          <a:p>
+            <a:endParaRPr kumimoji="1" lang="en-US" altLang="zh-TW" dirty="0" smtClean="0"/>
+          </a:p>
+          <a:p>
+            <a:endParaRPr kumimoji="1" lang="zh-TW" altLang="en-US" dirty="0"/>
+          </a:p>
+        </p:txBody>
+      </p:sp>
+    </p:spTree>
+    <p:extLst>
+      <p:ext uri="{BB962C8B-B14F-4D97-AF65-F5344CB8AC3E}">
+        <p14:creationId xmlns:p14="http://schemas.microsoft.com/office/powerpoint/2010/main" val="413539871"/>
       </p:ext>
     </p:extLst>
   </p:cSld>
